--- a/docs/Running.pptx
+++ b/docs/Running.pptx
@@ -7,6 +7,7 @@
   <p:sldIdLst>
     <p:sldId id="256" r:id="rId2"/>
     <p:sldId id="257" r:id="rId3"/>
+    <p:sldId id="258" r:id="rId4"/>
   </p:sldIdLst>
   <p:sldSz cx="12192000" cy="6858000"/>
   <p:notesSz cx="6858000" cy="9144000"/>
@@ -105,6 +106,11 @@
       </a:defRPr>
     </a:lvl9pPr>
   </p:defaultTextStyle>
+  <p:extLst>
+    <p:ext uri="{EFAFB233-063F-42B5-8137-9DF3F51BA10A}">
+      <p15:sldGuideLst xmlns:p15="http://schemas.microsoft.com/office/powerpoint/2012/main"/>
+    </p:ext>
+  </p:extLst>
 </p:presentation>
 </file>
 
@@ -239,7 +245,7 @@
           <a:p>
             <a:fld id="{AD41E7E7-8176-4D5A-8F27-24C8CB1D245B}" type="datetimeFigureOut">
               <a:rPr lang="zh-CN" altLang="en-US" smtClean="0"/>
-              <a:t>2018/6/14</a:t>
+              <a:t>2018/6/22</a:t>
             </a:fld>
             <a:endParaRPr lang="zh-CN" altLang="en-US"/>
           </a:p>
@@ -409,7 +415,7 @@
           <a:p>
             <a:fld id="{AD41E7E7-8176-4D5A-8F27-24C8CB1D245B}" type="datetimeFigureOut">
               <a:rPr lang="zh-CN" altLang="en-US" smtClean="0"/>
-              <a:t>2018/6/14</a:t>
+              <a:t>2018/6/22</a:t>
             </a:fld>
             <a:endParaRPr lang="zh-CN" altLang="en-US"/>
           </a:p>
@@ -589,7 +595,7 @@
           <a:p>
             <a:fld id="{AD41E7E7-8176-4D5A-8F27-24C8CB1D245B}" type="datetimeFigureOut">
               <a:rPr lang="zh-CN" altLang="en-US" smtClean="0"/>
-              <a:t>2018/6/14</a:t>
+              <a:t>2018/6/22</a:t>
             </a:fld>
             <a:endParaRPr lang="zh-CN" altLang="en-US"/>
           </a:p>
@@ -759,7 +765,7 @@
           <a:p>
             <a:fld id="{AD41E7E7-8176-4D5A-8F27-24C8CB1D245B}" type="datetimeFigureOut">
               <a:rPr lang="zh-CN" altLang="en-US" smtClean="0"/>
-              <a:t>2018/6/14</a:t>
+              <a:t>2018/6/22</a:t>
             </a:fld>
             <a:endParaRPr lang="zh-CN" altLang="en-US"/>
           </a:p>
@@ -1005,7 +1011,7 @@
           <a:p>
             <a:fld id="{AD41E7E7-8176-4D5A-8F27-24C8CB1D245B}" type="datetimeFigureOut">
               <a:rPr lang="zh-CN" altLang="en-US" smtClean="0"/>
-              <a:t>2018/6/14</a:t>
+              <a:t>2018/6/22</a:t>
             </a:fld>
             <a:endParaRPr lang="zh-CN" altLang="en-US"/>
           </a:p>
@@ -1237,7 +1243,7 @@
           <a:p>
             <a:fld id="{AD41E7E7-8176-4D5A-8F27-24C8CB1D245B}" type="datetimeFigureOut">
               <a:rPr lang="zh-CN" altLang="en-US" smtClean="0"/>
-              <a:t>2018/6/14</a:t>
+              <a:t>2018/6/22</a:t>
             </a:fld>
             <a:endParaRPr lang="zh-CN" altLang="en-US"/>
           </a:p>
@@ -1604,7 +1610,7 @@
           <a:p>
             <a:fld id="{AD41E7E7-8176-4D5A-8F27-24C8CB1D245B}" type="datetimeFigureOut">
               <a:rPr lang="zh-CN" altLang="en-US" smtClean="0"/>
-              <a:t>2018/6/14</a:t>
+              <a:t>2018/6/22</a:t>
             </a:fld>
             <a:endParaRPr lang="zh-CN" altLang="en-US"/>
           </a:p>
@@ -1722,7 +1728,7 @@
           <a:p>
             <a:fld id="{AD41E7E7-8176-4D5A-8F27-24C8CB1D245B}" type="datetimeFigureOut">
               <a:rPr lang="zh-CN" altLang="en-US" smtClean="0"/>
-              <a:t>2018/6/14</a:t>
+              <a:t>2018/6/22</a:t>
             </a:fld>
             <a:endParaRPr lang="zh-CN" altLang="en-US"/>
           </a:p>
@@ -1817,7 +1823,7 @@
           <a:p>
             <a:fld id="{AD41E7E7-8176-4D5A-8F27-24C8CB1D245B}" type="datetimeFigureOut">
               <a:rPr lang="zh-CN" altLang="en-US" smtClean="0"/>
-              <a:t>2018/6/14</a:t>
+              <a:t>2018/6/22</a:t>
             </a:fld>
             <a:endParaRPr lang="zh-CN" altLang="en-US"/>
           </a:p>
@@ -2094,7 +2100,7 @@
           <a:p>
             <a:fld id="{AD41E7E7-8176-4D5A-8F27-24C8CB1D245B}" type="datetimeFigureOut">
               <a:rPr lang="zh-CN" altLang="en-US" smtClean="0"/>
-              <a:t>2018/6/14</a:t>
+              <a:t>2018/6/22</a:t>
             </a:fld>
             <a:endParaRPr lang="zh-CN" altLang="en-US"/>
           </a:p>
@@ -2347,7 +2353,7 @@
           <a:p>
             <a:fld id="{AD41E7E7-8176-4D5A-8F27-24C8CB1D245B}" type="datetimeFigureOut">
               <a:rPr lang="zh-CN" altLang="en-US" smtClean="0"/>
-              <a:t>2018/6/14</a:t>
+              <a:t>2018/6/22</a:t>
             </a:fld>
             <a:endParaRPr lang="zh-CN" altLang="en-US"/>
           </a:p>
@@ -2560,7 +2566,7 @@
           <a:p>
             <a:fld id="{AD41E7E7-8176-4D5A-8F27-24C8CB1D245B}" type="datetimeFigureOut">
               <a:rPr lang="zh-CN" altLang="en-US" smtClean="0"/>
-              <a:t>2018/6/14</a:t>
+              <a:t>2018/6/22</a:t>
             </a:fld>
             <a:endParaRPr lang="zh-CN" altLang="en-US"/>
           </a:p>
@@ -4688,7 +4694,6 @@
               <a:rPr lang="en-US" altLang="zh-CN" dirty="0" smtClean="0"/>
               <a:t>Admin</a:t>
             </a:r>
-            <a:endParaRPr lang="en-US" altLang="zh-CN" dirty="0" smtClean="0"/>
           </a:p>
         </p:txBody>
       </p:sp>
@@ -4806,7 +4811,6 @@
               <a:rPr lang="en-US" altLang="zh-CN" dirty="0" smtClean="0"/>
               <a:t>Meta</a:t>
             </a:r>
-            <a:endParaRPr lang="en-US" altLang="zh-CN" dirty="0" smtClean="0"/>
           </a:p>
         </p:txBody>
       </p:sp>
@@ -4924,7 +4928,6 @@
               <a:rPr lang="en-US" altLang="zh-CN" dirty="0" smtClean="0"/>
               <a:t>Eureka</a:t>
             </a:r>
-            <a:endParaRPr lang="en-US" altLang="zh-CN" dirty="0" smtClean="0"/>
           </a:p>
         </p:txBody>
       </p:sp>
@@ -6033,6 +6036,275 @@
     <p:extLst>
       <p:ext uri="{BB962C8B-B14F-4D97-AF65-F5344CB8AC3E}">
         <p14:creationId xmlns:p14="http://schemas.microsoft.com/office/powerpoint/2010/main" val="1157733199"/>
+      </p:ext>
+    </p:extLst>
+  </p:cSld>
+  <p:clrMapOvr>
+    <a:masterClrMapping/>
+  </p:clrMapOvr>
+</p:sld>
+</file>
+
+<file path=ppt/slides/slide3.xml><?xml version="1.0" encoding="utf-8"?>
+<p:sld xmlns:a="http://schemas.openxmlformats.org/drawingml/2006/main" xmlns:r="http://schemas.openxmlformats.org/officeDocument/2006/relationships" xmlns:p="http://schemas.openxmlformats.org/presentationml/2006/main">
+  <p:cSld>
+    <p:spTree>
+      <p:nvGrpSpPr>
+        <p:cNvPr id="1" name=""/>
+        <p:cNvGrpSpPr/>
+        <p:nvPr/>
+      </p:nvGrpSpPr>
+      <p:grpSpPr>
+        <a:xfrm>
+          <a:off x="0" y="0"/>
+          <a:ext cx="0" cy="0"/>
+          <a:chOff x="0" y="0"/>
+          <a:chExt cx="0" cy="0"/>
+        </a:xfrm>
+      </p:grpSpPr>
+      <p:sp>
+        <p:nvSpPr>
+          <p:cNvPr id="4" name="圆角矩形 3"/>
+          <p:cNvSpPr/>
+          <p:nvPr/>
+        </p:nvSpPr>
+        <p:spPr>
+          <a:xfrm>
+            <a:off x="177861" y="427560"/>
+            <a:ext cx="5459168" cy="404038"/>
+          </a:xfrm>
+          <a:prstGeom prst="roundRect">
+            <a:avLst/>
+          </a:prstGeom>
+        </p:spPr>
+        <p:style>
+          <a:lnRef idx="1">
+            <a:schemeClr val="accent2"/>
+          </a:lnRef>
+          <a:fillRef idx="2">
+            <a:schemeClr val="accent2"/>
+          </a:fillRef>
+          <a:effectRef idx="1">
+            <a:schemeClr val="accent2"/>
+          </a:effectRef>
+          <a:fontRef idx="minor">
+            <a:schemeClr val="dk1"/>
+          </a:fontRef>
+        </p:style>
+        <p:txBody>
+          <a:bodyPr rtlCol="0" anchor="ctr"/>
+          <a:lstStyle/>
+          <a:p>
+            <a:r>
+              <a:rPr lang="en-US" altLang="zh-CN" b="1" dirty="0" smtClean="0"/>
+              <a:t>[GET]</a:t>
+            </a:r>
+            <a:r>
+              <a:rPr lang="en-US" altLang="zh-CN" dirty="0" smtClean="0"/>
+              <a:t> http://{gatewayAddress}/api/v1/users/**</a:t>
+            </a:r>
+            <a:endParaRPr lang="zh-CN" altLang="en-US" dirty="0"/>
+          </a:p>
+        </p:txBody>
+      </p:sp>
+      <p:sp>
+        <p:nvSpPr>
+          <p:cNvPr id="5" name="圆角矩形 4"/>
+          <p:cNvSpPr/>
+          <p:nvPr/>
+        </p:nvSpPr>
+        <p:spPr>
+          <a:xfrm>
+            <a:off x="177861" y="1563471"/>
+            <a:ext cx="5459168" cy="404038"/>
+          </a:xfrm>
+          <a:prstGeom prst="roundRect">
+            <a:avLst/>
+          </a:prstGeom>
+        </p:spPr>
+        <p:style>
+          <a:lnRef idx="1">
+            <a:schemeClr val="accent2"/>
+          </a:lnRef>
+          <a:fillRef idx="2">
+            <a:schemeClr val="accent2"/>
+          </a:fillRef>
+          <a:effectRef idx="1">
+            <a:schemeClr val="accent2"/>
+          </a:effectRef>
+          <a:fontRef idx="minor">
+            <a:schemeClr val="dk1"/>
+          </a:fontRef>
+        </p:style>
+        <p:txBody>
+          <a:bodyPr rtlCol="0" anchor="ctr"/>
+          <a:lstStyle/>
+          <a:p>
+            <a:r>
+              <a:rPr lang="en-US" altLang="zh-CN" b="1" dirty="0" smtClean="0"/>
+              <a:t>[Route Mapping]</a:t>
+            </a:r>
+            <a:r>
+              <a:rPr lang="en-US" altLang="zh-CN" dirty="0" smtClean="0"/>
+              <a:t> lb://{serviceId}</a:t>
+            </a:r>
+            <a:endParaRPr lang="zh-CN" altLang="en-US" dirty="0"/>
+          </a:p>
+        </p:txBody>
+      </p:sp>
+      <p:sp>
+        <p:nvSpPr>
+          <p:cNvPr id="6" name="圆角矩形 5"/>
+          <p:cNvSpPr/>
+          <p:nvPr/>
+        </p:nvSpPr>
+        <p:spPr>
+          <a:xfrm>
+            <a:off x="177861" y="2699382"/>
+            <a:ext cx="5459168" cy="404038"/>
+          </a:xfrm>
+          <a:prstGeom prst="roundRect">
+            <a:avLst/>
+          </a:prstGeom>
+        </p:spPr>
+        <p:style>
+          <a:lnRef idx="1">
+            <a:schemeClr val="accent2"/>
+          </a:lnRef>
+          <a:fillRef idx="2">
+            <a:schemeClr val="accent2"/>
+          </a:fillRef>
+          <a:effectRef idx="1">
+            <a:schemeClr val="accent2"/>
+          </a:effectRef>
+          <a:fontRef idx="minor">
+            <a:schemeClr val="dk1"/>
+          </a:fontRef>
+        </p:style>
+        <p:txBody>
+          <a:bodyPr rtlCol="0" anchor="ctr"/>
+          <a:lstStyle/>
+          <a:p>
+            <a:r>
+              <a:rPr lang="en-US" altLang="zh-CN" b="1" dirty="0" smtClean="0"/>
+              <a:t>[GET]</a:t>
+            </a:r>
+            <a:r>
+              <a:rPr lang="en-US" altLang="zh-CN" dirty="0"/>
+              <a:t> </a:t>
+            </a:r>
+            <a:r>
+              <a:rPr lang="en-US" altLang="zh-CN" dirty="0" smtClean="0"/>
+              <a:t>http://{serviceInstanceAddress}/api/v1/users</a:t>
+            </a:r>
+            <a:endParaRPr lang="zh-CN" altLang="en-US" dirty="0"/>
+          </a:p>
+        </p:txBody>
+      </p:sp>
+      <p:sp>
+        <p:nvSpPr>
+          <p:cNvPr id="7" name="下箭头 6"/>
+          <p:cNvSpPr/>
+          <p:nvPr/>
+        </p:nvSpPr>
+        <p:spPr>
+          <a:xfrm>
+            <a:off x="2234935" y="1003490"/>
+            <a:ext cx="1345019" cy="388089"/>
+          </a:xfrm>
+          <a:prstGeom prst="downArrow">
+            <a:avLst/>
+          </a:prstGeom>
+        </p:spPr>
+        <p:style>
+          <a:lnRef idx="1">
+            <a:schemeClr val="accent1"/>
+          </a:lnRef>
+          <a:fillRef idx="2">
+            <a:schemeClr val="accent1"/>
+          </a:fillRef>
+          <a:effectRef idx="1">
+            <a:schemeClr val="accent1"/>
+          </a:effectRef>
+          <a:fontRef idx="minor">
+            <a:schemeClr val="dk1"/>
+          </a:fontRef>
+        </p:style>
+        <p:txBody>
+          <a:bodyPr rtlCol="0" anchor="ctr"/>
+          <a:lstStyle/>
+          <a:p>
+            <a:pPr algn="ctr"/>
+            <a:endParaRPr lang="zh-CN" altLang="en-US"/>
+          </a:p>
+        </p:txBody>
+      </p:sp>
+      <p:sp>
+        <p:nvSpPr>
+          <p:cNvPr id="8" name="下箭头 7"/>
+          <p:cNvSpPr/>
+          <p:nvPr/>
+        </p:nvSpPr>
+        <p:spPr>
+          <a:xfrm>
+            <a:off x="2234935" y="2139401"/>
+            <a:ext cx="1345019" cy="388089"/>
+          </a:xfrm>
+          <a:prstGeom prst="downArrow">
+            <a:avLst/>
+          </a:prstGeom>
+        </p:spPr>
+        <p:style>
+          <a:lnRef idx="1">
+            <a:schemeClr val="accent1"/>
+          </a:lnRef>
+          <a:fillRef idx="2">
+            <a:schemeClr val="accent1"/>
+          </a:fillRef>
+          <a:effectRef idx="1">
+            <a:schemeClr val="accent1"/>
+          </a:effectRef>
+          <a:fontRef idx="minor">
+            <a:schemeClr val="dk1"/>
+          </a:fontRef>
+        </p:style>
+        <p:txBody>
+          <a:bodyPr rtlCol="0" anchor="ctr"/>
+          <a:lstStyle/>
+          <a:p>
+            <a:pPr algn="ctr"/>
+            <a:endParaRPr lang="zh-CN" altLang="en-US"/>
+          </a:p>
+        </p:txBody>
+      </p:sp>
+      <p:pic>
+        <p:nvPicPr>
+          <p:cNvPr id="10" name="图片 9"/>
+          <p:cNvPicPr>
+            <a:picLocks noChangeAspect="1"/>
+          </p:cNvPicPr>
+          <p:nvPr/>
+        </p:nvPicPr>
+        <p:blipFill>
+          <a:blip r:embed="rId2"/>
+          <a:stretch>
+            <a:fillRect/>
+          </a:stretch>
+        </p:blipFill>
+        <p:spPr>
+          <a:xfrm>
+            <a:off x="177860" y="3835293"/>
+            <a:ext cx="5459169" cy="394218"/>
+          </a:xfrm>
+          <a:prstGeom prst="rect">
+            <a:avLst/>
+          </a:prstGeom>
+        </p:spPr>
+      </p:pic>
+    </p:spTree>
+    <p:extLst>
+      <p:ext uri="{BB962C8B-B14F-4D97-AF65-F5344CB8AC3E}">
+        <p14:creationId xmlns:p14="http://schemas.microsoft.com/office/powerpoint/2010/main" val="3107197122"/>
       </p:ext>
     </p:extLst>
   </p:cSld>

--- a/docs/Running.pptx
+++ b/docs/Running.pptx
@@ -6101,7 +6101,11 @@
             </a:r>
             <a:r>
               <a:rPr lang="en-US" altLang="zh-CN" dirty="0" smtClean="0"/>
-              <a:t> http://{gatewayAddress}/api/v1/users/**</a:t>
+              <a:t> http://{gatewayAddress}/</a:t>
+            </a:r>
+            <a:r>
+              <a:rPr lang="en-US" altLang="zh-CN" dirty="0" smtClean="0"/>
+              <a:t>api/v1/users</a:t>
             </a:r>
             <a:endParaRPr lang="zh-CN" altLang="en-US" dirty="0"/>
           </a:p>
@@ -6279,7 +6283,7 @@
       </p:sp>
       <p:pic>
         <p:nvPicPr>
-          <p:cNvPr id="10" name="图片 9"/>
+          <p:cNvPr id="3" name="图片 2"/>
           <p:cNvPicPr>
             <a:picLocks noChangeAspect="1"/>
           </p:cNvPicPr>
@@ -6293,8 +6297,8 @@
         </p:blipFill>
         <p:spPr>
           <a:xfrm>
-            <a:off x="177860" y="3835293"/>
-            <a:ext cx="5459169" cy="394218"/>
+            <a:off x="179634" y="3835293"/>
+            <a:ext cx="8119687" cy="618590"/>
           </a:xfrm>
           <a:prstGeom prst="rect">
             <a:avLst/>
